--- a/_notes/图示.pptx
+++ b/_notes/图示.pptx
@@ -104,7 +104,81 @@
       </a:defRPr>
     </a:lvl9pPr>
   </p:defaultTextStyle>
+  <p:extLst>
+    <p:ext uri="{EFAFB233-063F-42B5-8137-9DF3F51BA10A}">
+      <p15:sldGuideLst xmlns:p15="http://schemas.microsoft.com/office/powerpoint/2012/main"/>
+    </p:ext>
+  </p:extLst>
 </p:presentation>
+</file>
+
+<file path=ppt/revisionInfo.xml><?xml version="1.0" encoding="utf-8"?>
+<p1510:revInfo xmlns:a="http://schemas.openxmlformats.org/drawingml/2006/main" xmlns:r="http://schemas.openxmlformats.org/officeDocument/2006/relationships" xmlns:p1510="http://schemas.microsoft.com/office/powerpoint/2015/10/main">
+  <p1510:revLst>
+    <p1510:client id="{BFFD745A-87CA-477C-A70D-F9318D59A136}" v="26" dt="2018-09-30T09:14:57.248"/>
+  </p1510:revLst>
+</p1510:revInfo>
+</file>
+
+<file path=ppt/changesInfos/changesInfo1.xml><?xml version="1.0" encoding="utf-8"?>
+<pc:chgInfo xmlns:a="http://schemas.openxmlformats.org/drawingml/2006/main" xmlns:r="http://schemas.openxmlformats.org/officeDocument/2006/relationships" xmlns:ac="http://schemas.microsoft.com/office/drawing/2013/main/command" xmlns:pc="http://schemas.microsoft.com/office/powerpoint/2013/main/command">
+  <pc:docChgLst>
+    <pc:chgData name="hua yang" userId="d39ae4abbec8d8e6" providerId="LiveId" clId="{BFFD745A-87CA-477C-A70D-F9318D59A136}"/>
+    <pc:docChg chg="undo modSld">
+      <pc:chgData name="hua yang" userId="d39ae4abbec8d8e6" providerId="LiveId" clId="{BFFD745A-87CA-477C-A70D-F9318D59A136}" dt="2018-09-30T09:14:57.248" v="22" actId="1076"/>
+      <pc:docMkLst>
+        <pc:docMk/>
+      </pc:docMkLst>
+      <pc:sldChg chg="addSp modSp">
+        <pc:chgData name="hua yang" userId="d39ae4abbec8d8e6" providerId="LiveId" clId="{BFFD745A-87CA-477C-A70D-F9318D59A136}" dt="2018-09-30T09:14:57.248" v="22" actId="1076"/>
+        <pc:sldMkLst>
+          <pc:docMk/>
+          <pc:sldMk cId="1245421704" sldId="257"/>
+        </pc:sldMkLst>
+        <pc:graphicFrameChg chg="add mod modGraphic">
+          <ac:chgData name="hua yang" userId="d39ae4abbec8d8e6" providerId="LiveId" clId="{BFFD745A-87CA-477C-A70D-F9318D59A136}" dt="2018-09-30T09:14:57.248" v="22" actId="1076"/>
+          <ac:graphicFrameMkLst>
+            <pc:docMk/>
+            <pc:sldMk cId="1245421704" sldId="257"/>
+            <ac:graphicFrameMk id="26" creationId="{D12445B9-A330-450E-92CE-23461EE67358}"/>
+          </ac:graphicFrameMkLst>
+        </pc:graphicFrameChg>
+        <pc:cxnChg chg="add mod">
+          <ac:chgData name="hua yang" userId="d39ae4abbec8d8e6" providerId="LiveId" clId="{BFFD745A-87CA-477C-A70D-F9318D59A136}" dt="2018-09-30T09:12:10.650" v="15" actId="1076"/>
+          <ac:cxnSpMkLst>
+            <pc:docMk/>
+            <pc:sldMk cId="1245421704" sldId="257"/>
+            <ac:cxnSpMk id="27" creationId="{4EFCD71B-5F9C-403D-95BA-F4158002B4A3}"/>
+          </ac:cxnSpMkLst>
+        </pc:cxnChg>
+        <pc:cxnChg chg="add mod">
+          <ac:chgData name="hua yang" userId="d39ae4abbec8d8e6" providerId="LiveId" clId="{BFFD745A-87CA-477C-A70D-F9318D59A136}" dt="2018-09-30T09:12:10.650" v="15" actId="1076"/>
+          <ac:cxnSpMkLst>
+            <pc:docMk/>
+            <pc:sldMk cId="1245421704" sldId="257"/>
+            <ac:cxnSpMk id="28" creationId="{81AC9065-3E3B-4500-A6F0-61E64792EF49}"/>
+          </ac:cxnSpMkLst>
+        </pc:cxnChg>
+        <pc:cxnChg chg="add mod">
+          <ac:chgData name="hua yang" userId="d39ae4abbec8d8e6" providerId="LiveId" clId="{BFFD745A-87CA-477C-A70D-F9318D59A136}" dt="2018-09-30T09:12:28.320" v="18" actId="1076"/>
+          <ac:cxnSpMkLst>
+            <pc:docMk/>
+            <pc:sldMk cId="1245421704" sldId="257"/>
+            <ac:cxnSpMk id="35" creationId="{193BAD39-AED7-4E64-8FC1-316EC59D1439}"/>
+          </ac:cxnSpMkLst>
+        </pc:cxnChg>
+        <pc:cxnChg chg="add mod">
+          <ac:chgData name="hua yang" userId="d39ae4abbec8d8e6" providerId="LiveId" clId="{BFFD745A-87CA-477C-A70D-F9318D59A136}" dt="2018-09-30T09:12:52.236" v="21" actId="1037"/>
+          <ac:cxnSpMkLst>
+            <pc:docMk/>
+            <pc:sldMk cId="1245421704" sldId="257"/>
+            <ac:cxnSpMk id="39" creationId="{D0FA20FA-9678-4277-A543-574AA3FE57C9}"/>
+          </ac:cxnSpMkLst>
+        </pc:cxnChg>
+      </pc:sldChg>
+    </pc:docChg>
+  </pc:docChgLst>
+</pc:chgInfo>
 </file>
 
 <file path=ppt/slideLayouts/slideLayout1.xml><?xml version="1.0" encoding="utf-8"?>
@@ -254,7 +328,7 @@
           <a:p>
             <a:fld id="{6C036B32-9525-4F75-A211-C625E33EB08D}" type="datetimeFigureOut">
               <a:rPr lang="zh-CN" altLang="en-US" smtClean="0"/>
-              <a:t>2018/9/28</a:t>
+              <a:t>2018/9/30</a:t>
             </a:fld>
             <a:endParaRPr lang="zh-CN" altLang="en-US"/>
           </a:p>
@@ -452,7 +526,7 @@
           <a:p>
             <a:fld id="{6C036B32-9525-4F75-A211-C625E33EB08D}" type="datetimeFigureOut">
               <a:rPr lang="zh-CN" altLang="en-US" smtClean="0"/>
-              <a:t>2018/9/28</a:t>
+              <a:t>2018/9/30</a:t>
             </a:fld>
             <a:endParaRPr lang="zh-CN" altLang="en-US"/>
           </a:p>
@@ -660,7 +734,7 @@
           <a:p>
             <a:fld id="{6C036B32-9525-4F75-A211-C625E33EB08D}" type="datetimeFigureOut">
               <a:rPr lang="zh-CN" altLang="en-US" smtClean="0"/>
-              <a:t>2018/9/28</a:t>
+              <a:t>2018/9/30</a:t>
             </a:fld>
             <a:endParaRPr lang="zh-CN" altLang="en-US"/>
           </a:p>
@@ -858,7 +932,7 @@
           <a:p>
             <a:fld id="{6C036B32-9525-4F75-A211-C625E33EB08D}" type="datetimeFigureOut">
               <a:rPr lang="zh-CN" altLang="en-US" smtClean="0"/>
-              <a:t>2018/9/28</a:t>
+              <a:t>2018/9/30</a:t>
             </a:fld>
             <a:endParaRPr lang="zh-CN" altLang="en-US"/>
           </a:p>
@@ -1133,7 +1207,7 @@
           <a:p>
             <a:fld id="{6C036B32-9525-4F75-A211-C625E33EB08D}" type="datetimeFigureOut">
               <a:rPr lang="zh-CN" altLang="en-US" smtClean="0"/>
-              <a:t>2018/9/28</a:t>
+              <a:t>2018/9/30</a:t>
             </a:fld>
             <a:endParaRPr lang="zh-CN" altLang="en-US"/>
           </a:p>
@@ -1398,7 +1472,7 @@
           <a:p>
             <a:fld id="{6C036B32-9525-4F75-A211-C625E33EB08D}" type="datetimeFigureOut">
               <a:rPr lang="zh-CN" altLang="en-US" smtClean="0"/>
-              <a:t>2018/9/28</a:t>
+              <a:t>2018/9/30</a:t>
             </a:fld>
             <a:endParaRPr lang="zh-CN" altLang="en-US"/>
           </a:p>
@@ -1810,7 +1884,7 @@
           <a:p>
             <a:fld id="{6C036B32-9525-4F75-A211-C625E33EB08D}" type="datetimeFigureOut">
               <a:rPr lang="zh-CN" altLang="en-US" smtClean="0"/>
-              <a:t>2018/9/28</a:t>
+              <a:t>2018/9/30</a:t>
             </a:fld>
             <a:endParaRPr lang="zh-CN" altLang="en-US"/>
           </a:p>
@@ -1951,7 +2025,7 @@
           <a:p>
             <a:fld id="{6C036B32-9525-4F75-A211-C625E33EB08D}" type="datetimeFigureOut">
               <a:rPr lang="zh-CN" altLang="en-US" smtClean="0"/>
-              <a:t>2018/9/28</a:t>
+              <a:t>2018/9/30</a:t>
             </a:fld>
             <a:endParaRPr lang="zh-CN" altLang="en-US"/>
           </a:p>
@@ -2064,7 +2138,7 @@
           <a:p>
             <a:fld id="{6C036B32-9525-4F75-A211-C625E33EB08D}" type="datetimeFigureOut">
               <a:rPr lang="zh-CN" altLang="en-US" smtClean="0"/>
-              <a:t>2018/9/28</a:t>
+              <a:t>2018/9/30</a:t>
             </a:fld>
             <a:endParaRPr lang="zh-CN" altLang="en-US"/>
           </a:p>
@@ -2375,7 +2449,7 @@
           <a:p>
             <a:fld id="{6C036B32-9525-4F75-A211-C625E33EB08D}" type="datetimeFigureOut">
               <a:rPr lang="zh-CN" altLang="en-US" smtClean="0"/>
-              <a:t>2018/9/28</a:t>
+              <a:t>2018/9/30</a:t>
             </a:fld>
             <a:endParaRPr lang="zh-CN" altLang="en-US"/>
           </a:p>
@@ -2663,7 +2737,7 @@
           <a:p>
             <a:fld id="{6C036B32-9525-4F75-A211-C625E33EB08D}" type="datetimeFigureOut">
               <a:rPr lang="zh-CN" altLang="en-US" smtClean="0"/>
-              <a:t>2018/9/28</a:t>
+              <a:t>2018/9/30</a:t>
             </a:fld>
             <a:endParaRPr lang="zh-CN" altLang="en-US"/>
           </a:p>
@@ -2904,7 +2978,7 @@
           <a:p>
             <a:fld id="{6C036B32-9525-4F75-A211-C625E33EB08D}" type="datetimeFigureOut">
               <a:rPr lang="zh-CN" altLang="en-US" smtClean="0"/>
-              <a:t>2018/9/28</a:t>
+              <a:t>2018/9/30</a:t>
             </a:fld>
             <a:endParaRPr lang="zh-CN" altLang="en-US"/>
           </a:p>
@@ -3463,7 +3537,7 @@
                     <a:bodyPr/>
                     <a:lstStyle/>
                     <a:p>
-                      <a:endParaRPr lang="zh-CN" altLang="en-US"/>
+                      <a:endParaRPr lang="zh-CN" altLang="en-US" dirty="0"/>
                     </a:p>
                   </a:txBody>
                   <a:tcPr/>
@@ -5087,6 +5161,356 @@
         <p:spPr>
           <a:xfrm>
             <a:off x="2078181" y="5534428"/>
+            <a:ext cx="346365" cy="0"/>
+          </a:xfrm>
+          <a:prstGeom prst="straightConnector1">
+            <a:avLst/>
+          </a:prstGeom>
+          <a:ln>
+            <a:tailEnd type="triangle"/>
+          </a:ln>
+        </p:spPr>
+        <p:style>
+          <a:lnRef idx="1">
+            <a:schemeClr val="dk1"/>
+          </a:lnRef>
+          <a:fillRef idx="0">
+            <a:schemeClr val="dk1"/>
+          </a:fillRef>
+          <a:effectRef idx="0">
+            <a:schemeClr val="dk1"/>
+          </a:effectRef>
+          <a:fontRef idx="minor">
+            <a:schemeClr val="tx1"/>
+          </a:fontRef>
+        </p:style>
+      </p:cxnSp>
+      <p:graphicFrame>
+        <p:nvGraphicFramePr>
+          <p:cNvPr id="26" name="表格 25">
+            <a:extLst>
+              <a:ext uri="{FF2B5EF4-FFF2-40B4-BE49-F238E27FC236}">
+                <a16:creationId xmlns:a16="http://schemas.microsoft.com/office/drawing/2014/main" id="{D12445B9-A330-450E-92CE-23461EE67358}"/>
+              </a:ext>
+            </a:extLst>
+          </p:cNvPr>
+          <p:cNvGraphicFramePr>
+            <a:graphicFrameLocks noGrp="1"/>
+          </p:cNvGraphicFramePr>
+          <p:nvPr>
+            <p:extLst>
+              <p:ext uri="{D42A27DB-BD31-4B8C-83A1-F6EECF244321}">
+                <p14:modId xmlns:p14="http://schemas.microsoft.com/office/powerpoint/2010/main" val="3604953392"/>
+              </p:ext>
+            </p:extLst>
+          </p:nvPr>
+        </p:nvGraphicFramePr>
+        <p:xfrm>
+          <a:off x="7172945" y="1437179"/>
+          <a:ext cx="3024000" cy="370840"/>
+        </p:xfrm>
+        <a:graphic>
+          <a:graphicData uri="http://schemas.openxmlformats.org/drawingml/2006/table">
+            <a:tbl>
+              <a:tblPr firstRow="1" bandRow="1">
+                <a:tableStyleId>{F5AB1C69-6EDB-4FF4-983F-18BD219EF322}</a:tableStyleId>
+              </a:tblPr>
+              <a:tblGrid>
+                <a:gridCol w="432000">
+                  <a:extLst>
+                    <a:ext uri="{9D8B030D-6E8A-4147-A177-3AD203B41FA5}">
+                      <a16:colId xmlns:a16="http://schemas.microsoft.com/office/drawing/2014/main" val="565203399"/>
+                    </a:ext>
+                  </a:extLst>
+                </a:gridCol>
+                <a:gridCol w="432000">
+                  <a:extLst>
+                    <a:ext uri="{9D8B030D-6E8A-4147-A177-3AD203B41FA5}">
+                      <a16:colId xmlns:a16="http://schemas.microsoft.com/office/drawing/2014/main" val="1031879527"/>
+                    </a:ext>
+                  </a:extLst>
+                </a:gridCol>
+                <a:gridCol w="432000">
+                  <a:extLst>
+                    <a:ext uri="{9D8B030D-6E8A-4147-A177-3AD203B41FA5}">
+                      <a16:colId xmlns:a16="http://schemas.microsoft.com/office/drawing/2014/main" val="2353822515"/>
+                    </a:ext>
+                  </a:extLst>
+                </a:gridCol>
+                <a:gridCol w="432000">
+                  <a:extLst>
+                    <a:ext uri="{9D8B030D-6E8A-4147-A177-3AD203B41FA5}">
+                      <a16:colId xmlns:a16="http://schemas.microsoft.com/office/drawing/2014/main" val="3058185050"/>
+                    </a:ext>
+                  </a:extLst>
+                </a:gridCol>
+                <a:gridCol w="432000">
+                  <a:extLst>
+                    <a:ext uri="{9D8B030D-6E8A-4147-A177-3AD203B41FA5}">
+                      <a16:colId xmlns:a16="http://schemas.microsoft.com/office/drawing/2014/main" val="1936700416"/>
+                    </a:ext>
+                  </a:extLst>
+                </a:gridCol>
+                <a:gridCol w="432000">
+                  <a:extLst>
+                    <a:ext uri="{9D8B030D-6E8A-4147-A177-3AD203B41FA5}">
+                      <a16:colId xmlns:a16="http://schemas.microsoft.com/office/drawing/2014/main" val="1506091248"/>
+                    </a:ext>
+                  </a:extLst>
+                </a:gridCol>
+                <a:gridCol w="432000">
+                  <a:extLst>
+                    <a:ext uri="{9D8B030D-6E8A-4147-A177-3AD203B41FA5}">
+                      <a16:colId xmlns:a16="http://schemas.microsoft.com/office/drawing/2014/main" val="2746619865"/>
+                    </a:ext>
+                  </a:extLst>
+                </a:gridCol>
+              </a:tblGrid>
+              <a:tr h="370840">
+                <a:tc>
+                  <a:txBody>
+                    <a:bodyPr/>
+                    <a:lstStyle/>
+                    <a:p>
+                      <a:endParaRPr lang="zh-CN" altLang="en-US" dirty="0"/>
+                    </a:p>
+                  </a:txBody>
+                  <a:tcPr/>
+                </a:tc>
+                <a:tc>
+                  <a:txBody>
+                    <a:bodyPr/>
+                    <a:lstStyle/>
+                    <a:p>
+                      <a:endParaRPr lang="zh-CN" altLang="en-US" dirty="0"/>
+                    </a:p>
+                  </a:txBody>
+                  <a:tcPr/>
+                </a:tc>
+                <a:tc>
+                  <a:txBody>
+                    <a:bodyPr/>
+                    <a:lstStyle/>
+                    <a:p>
+                      <a:endParaRPr lang="zh-CN" altLang="en-US" dirty="0"/>
+                    </a:p>
+                  </a:txBody>
+                  <a:tcPr/>
+                </a:tc>
+                <a:tc>
+                  <a:txBody>
+                    <a:bodyPr/>
+                    <a:lstStyle/>
+                    <a:p>
+                      <a:pPr marL="0" algn="l" defTabSz="914400" rtl="0" eaLnBrk="1" latinLnBrk="0" hangingPunct="1"/>
+                      <a:endParaRPr lang="zh-CN" altLang="en-US" sz="1800" b="1" kern="1200" dirty="0">
+                        <a:solidFill>
+                          <a:schemeClr val="lt1"/>
+                        </a:solidFill>
+                        <a:latin typeface="+mn-lt"/>
+                        <a:ea typeface="+mn-ea"/>
+                        <a:cs typeface="+mn-cs"/>
+                      </a:endParaRPr>
+                    </a:p>
+                  </a:txBody>
+                  <a:tcPr/>
+                </a:tc>
+                <a:tc>
+                  <a:txBody>
+                    <a:bodyPr/>
+                    <a:lstStyle/>
+                    <a:p>
+                      <a:pPr marL="0" algn="l" defTabSz="914400" rtl="0" eaLnBrk="1" latinLnBrk="0" hangingPunct="1"/>
+                      <a:endParaRPr lang="zh-CN" altLang="en-US" sz="1800" b="1" kern="1200" dirty="0">
+                        <a:solidFill>
+                          <a:schemeClr val="lt1"/>
+                        </a:solidFill>
+                        <a:latin typeface="+mn-lt"/>
+                        <a:ea typeface="+mn-ea"/>
+                        <a:cs typeface="+mn-cs"/>
+                      </a:endParaRPr>
+                    </a:p>
+                  </a:txBody>
+                  <a:tcPr/>
+                </a:tc>
+                <a:tc>
+                  <a:txBody>
+                    <a:bodyPr/>
+                    <a:lstStyle/>
+                    <a:p>
+                      <a:pPr marL="0" algn="l" defTabSz="914400" rtl="0" eaLnBrk="1" latinLnBrk="0" hangingPunct="1"/>
+                      <a:endParaRPr lang="zh-CN" altLang="en-US" sz="1800" b="1" kern="1200" dirty="0">
+                        <a:solidFill>
+                          <a:schemeClr val="lt1"/>
+                        </a:solidFill>
+                        <a:latin typeface="+mn-lt"/>
+                        <a:ea typeface="+mn-ea"/>
+                        <a:cs typeface="+mn-cs"/>
+                      </a:endParaRPr>
+                    </a:p>
+                  </a:txBody>
+                  <a:tcPr/>
+                </a:tc>
+                <a:tc>
+                  <a:txBody>
+                    <a:bodyPr/>
+                    <a:lstStyle/>
+                    <a:p>
+                      <a:endParaRPr lang="zh-CN" altLang="en-US" dirty="0"/>
+                    </a:p>
+                  </a:txBody>
+                  <a:tcPr/>
+                </a:tc>
+                <a:extLst>
+                  <a:ext uri="{0D108BD9-81ED-4DB2-BD59-A6C34878D82A}">
+                    <a16:rowId xmlns:a16="http://schemas.microsoft.com/office/drawing/2014/main" val="2796236815"/>
+                  </a:ext>
+                </a:extLst>
+              </a:tr>
+            </a:tbl>
+          </a:graphicData>
+        </a:graphic>
+      </p:graphicFrame>
+      <p:cxnSp>
+        <p:nvCxnSpPr>
+          <p:cNvPr id="27" name="直接箭头连接符 26">
+            <a:extLst>
+              <a:ext uri="{FF2B5EF4-FFF2-40B4-BE49-F238E27FC236}">
+                <a16:creationId xmlns:a16="http://schemas.microsoft.com/office/drawing/2014/main" id="{4EFCD71B-5F9C-403D-95BA-F4158002B4A3}"/>
+              </a:ext>
+            </a:extLst>
+          </p:cNvPr>
+          <p:cNvCxnSpPr>
+            <a:cxnSpLocks/>
+          </p:cNvCxnSpPr>
+          <p:nvPr/>
+        </p:nvCxnSpPr>
+        <p:spPr>
+          <a:xfrm>
+            <a:off x="8152910" y="873973"/>
+            <a:ext cx="0" cy="512618"/>
+          </a:xfrm>
+          <a:prstGeom prst="straightConnector1">
+            <a:avLst/>
+          </a:prstGeom>
+          <a:ln w="57150">
+            <a:tailEnd type="triangle"/>
+          </a:ln>
+        </p:spPr>
+        <p:style>
+          <a:lnRef idx="1">
+            <a:schemeClr val="accent1"/>
+          </a:lnRef>
+          <a:fillRef idx="0">
+            <a:schemeClr val="accent1"/>
+          </a:fillRef>
+          <a:effectRef idx="0">
+            <a:schemeClr val="accent1"/>
+          </a:effectRef>
+          <a:fontRef idx="minor">
+            <a:schemeClr val="tx1"/>
+          </a:fontRef>
+        </p:style>
+      </p:cxnSp>
+      <p:cxnSp>
+        <p:nvCxnSpPr>
+          <p:cNvPr id="28" name="直接箭头连接符 27">
+            <a:extLst>
+              <a:ext uri="{FF2B5EF4-FFF2-40B4-BE49-F238E27FC236}">
+                <a16:creationId xmlns:a16="http://schemas.microsoft.com/office/drawing/2014/main" id="{81AC9065-3E3B-4500-A6F0-61E64792EF49}"/>
+              </a:ext>
+            </a:extLst>
+          </p:cNvPr>
+          <p:cNvCxnSpPr>
+            <a:cxnSpLocks/>
+          </p:cNvCxnSpPr>
+          <p:nvPr/>
+        </p:nvCxnSpPr>
+        <p:spPr>
+          <a:xfrm>
+            <a:off x="8344254" y="873973"/>
+            <a:ext cx="0" cy="512618"/>
+          </a:xfrm>
+          <a:prstGeom prst="straightConnector1">
+            <a:avLst/>
+          </a:prstGeom>
+          <a:ln w="57150">
+            <a:tailEnd type="triangle"/>
+          </a:ln>
+        </p:spPr>
+        <p:style>
+          <a:lnRef idx="1">
+            <a:schemeClr val="accent1"/>
+          </a:lnRef>
+          <a:fillRef idx="0">
+            <a:schemeClr val="accent1"/>
+          </a:fillRef>
+          <a:effectRef idx="0">
+            <a:schemeClr val="accent1"/>
+          </a:effectRef>
+          <a:fontRef idx="minor">
+            <a:schemeClr val="tx1"/>
+          </a:fontRef>
+        </p:style>
+      </p:cxnSp>
+      <p:cxnSp>
+        <p:nvCxnSpPr>
+          <p:cNvPr id="35" name="直接箭头连接符 34">
+            <a:extLst>
+              <a:ext uri="{FF2B5EF4-FFF2-40B4-BE49-F238E27FC236}">
+                <a16:creationId xmlns:a16="http://schemas.microsoft.com/office/drawing/2014/main" id="{193BAD39-AED7-4E64-8FC1-316EC59D1439}"/>
+              </a:ext>
+            </a:extLst>
+          </p:cNvPr>
+          <p:cNvCxnSpPr>
+            <a:cxnSpLocks/>
+          </p:cNvCxnSpPr>
+          <p:nvPr/>
+        </p:nvCxnSpPr>
+        <p:spPr>
+          <a:xfrm>
+            <a:off x="8410222" y="1017229"/>
+            <a:ext cx="346365" cy="0"/>
+          </a:xfrm>
+          <a:prstGeom prst="straightConnector1">
+            <a:avLst/>
+          </a:prstGeom>
+          <a:ln>
+            <a:tailEnd type="triangle"/>
+          </a:ln>
+        </p:spPr>
+        <p:style>
+          <a:lnRef idx="1">
+            <a:schemeClr val="dk1"/>
+          </a:lnRef>
+          <a:fillRef idx="0">
+            <a:schemeClr val="dk1"/>
+          </a:fillRef>
+          <a:effectRef idx="0">
+            <a:schemeClr val="dk1"/>
+          </a:effectRef>
+          <a:fontRef idx="minor">
+            <a:schemeClr val="tx1"/>
+          </a:fontRef>
+        </p:style>
+      </p:cxnSp>
+      <p:cxnSp>
+        <p:nvCxnSpPr>
+          <p:cNvPr id="39" name="直接箭头连接符 38">
+            <a:extLst>
+              <a:ext uri="{FF2B5EF4-FFF2-40B4-BE49-F238E27FC236}">
+                <a16:creationId xmlns:a16="http://schemas.microsoft.com/office/drawing/2014/main" id="{D0FA20FA-9678-4277-A543-574AA3FE57C9}"/>
+              </a:ext>
+            </a:extLst>
+          </p:cNvPr>
+          <p:cNvCxnSpPr>
+            <a:cxnSpLocks/>
+          </p:cNvCxnSpPr>
+          <p:nvPr/>
+        </p:nvCxnSpPr>
+        <p:spPr>
+          <a:xfrm flipH="1">
+            <a:off x="7736427" y="1017229"/>
             <a:ext cx="346365" cy="0"/>
           </a:xfrm>
           <a:prstGeom prst="straightConnector1">

--- a/_notes/图示.pptx
+++ b/_notes/图示.pptx
@@ -6,6 +6,7 @@
   </p:sldMasterIdLst>
   <p:sldIdLst>
     <p:sldId id="257" r:id="rId2"/>
+    <p:sldId id="258" r:id="rId3"/>
   </p:sldIdLst>
   <p:sldSz cx="12192000" cy="6858000"/>
   <p:notesSz cx="6858000" cy="9144000"/>
@@ -115,7 +116,7 @@
 <file path=ppt/revisionInfo.xml><?xml version="1.0" encoding="utf-8"?>
 <p1510:revInfo xmlns:a="http://schemas.openxmlformats.org/drawingml/2006/main" xmlns:r="http://schemas.openxmlformats.org/officeDocument/2006/relationships" xmlns:p1510="http://schemas.microsoft.com/office/powerpoint/2015/10/main">
   <p1510:revLst>
-    <p1510:client id="{BFFD745A-87CA-477C-A70D-F9318D59A136}" v="26" dt="2018-09-30T09:14:57.248"/>
+    <p1510:client id="{BFFD745A-87CA-477C-A70D-F9318D59A136}" v="66" dt="2018-10-01T06:22:49.087"/>
   </p1510:revLst>
 </p1510:revInfo>
 </file>
@@ -124,8 +125,8 @@
 <pc:chgInfo xmlns:a="http://schemas.openxmlformats.org/drawingml/2006/main" xmlns:r="http://schemas.openxmlformats.org/officeDocument/2006/relationships" xmlns:ac="http://schemas.microsoft.com/office/drawing/2013/main/command" xmlns:pc="http://schemas.microsoft.com/office/powerpoint/2013/main/command">
   <pc:docChgLst>
     <pc:chgData name="hua yang" userId="d39ae4abbec8d8e6" providerId="LiveId" clId="{BFFD745A-87CA-477C-A70D-F9318D59A136}"/>
-    <pc:docChg chg="undo modSld">
-      <pc:chgData name="hua yang" userId="d39ae4abbec8d8e6" providerId="LiveId" clId="{BFFD745A-87CA-477C-A70D-F9318D59A136}" dt="2018-09-30T09:14:57.248" v="22" actId="1076"/>
+    <pc:docChg chg="undo addSld modSld">
+      <pc:chgData name="hua yang" userId="d39ae4abbec8d8e6" providerId="LiveId" clId="{BFFD745A-87CA-477C-A70D-F9318D59A136}" dt="2018-10-01T06:22:49.087" v="62" actId="1035"/>
       <pc:docMkLst>
         <pc:docMk/>
       </pc:docMkLst>
@@ -176,6 +177,85 @@
           </ac:cxnSpMkLst>
         </pc:cxnChg>
       </pc:sldChg>
+      <pc:sldChg chg="addSp modSp add">
+        <pc:chgData name="hua yang" userId="d39ae4abbec8d8e6" providerId="LiveId" clId="{BFFD745A-87CA-477C-A70D-F9318D59A136}" dt="2018-10-01T06:22:49.087" v="62" actId="1035"/>
+        <pc:sldMkLst>
+          <pc:docMk/>
+          <pc:sldMk cId="2980055840" sldId="258"/>
+        </pc:sldMkLst>
+        <pc:spChg chg="add mod">
+          <ac:chgData name="hua yang" userId="d39ae4abbec8d8e6" providerId="LiveId" clId="{BFFD745A-87CA-477C-A70D-F9318D59A136}" dt="2018-10-01T06:17:53.033" v="36" actId="1076"/>
+          <ac:spMkLst>
+            <pc:docMk/>
+            <pc:sldMk cId="2980055840" sldId="258"/>
+            <ac:spMk id="7" creationId="{EE02664D-B654-4145-B6D2-B266E5A7837C}"/>
+          </ac:spMkLst>
+        </pc:spChg>
+        <pc:spChg chg="add mod">
+          <ac:chgData name="hua yang" userId="d39ae4abbec8d8e6" providerId="LiveId" clId="{BFFD745A-87CA-477C-A70D-F9318D59A136}" dt="2018-10-01T06:17:58.761" v="40" actId="20577"/>
+          <ac:spMkLst>
+            <pc:docMk/>
+            <pc:sldMk cId="2980055840" sldId="258"/>
+            <ac:spMk id="8" creationId="{1CCB9AC5-DD42-49BE-9B73-2FC92A30F3A4}"/>
+          </ac:spMkLst>
+        </pc:spChg>
+        <pc:spChg chg="add mod">
+          <ac:chgData name="hua yang" userId="d39ae4abbec8d8e6" providerId="LiveId" clId="{BFFD745A-87CA-477C-A70D-F9318D59A136}" dt="2018-10-01T06:22:11.367" v="58" actId="1076"/>
+          <ac:spMkLst>
+            <pc:docMk/>
+            <pc:sldMk cId="2980055840" sldId="258"/>
+            <ac:spMk id="9" creationId="{3DC5A204-072C-4720-926B-36310835763A}"/>
+          </ac:spMkLst>
+        </pc:spChg>
+        <pc:spChg chg="add mod">
+          <ac:chgData name="hua yang" userId="d39ae4abbec8d8e6" providerId="LiveId" clId="{BFFD745A-87CA-477C-A70D-F9318D59A136}" dt="2018-10-01T06:18:18.865" v="49" actId="20577"/>
+          <ac:spMkLst>
+            <pc:docMk/>
+            <pc:sldMk cId="2980055840" sldId="258"/>
+            <ac:spMk id="10" creationId="{B83C7FDD-D18D-4280-AFF5-C442ED740E31}"/>
+          </ac:spMkLst>
+        </pc:spChg>
+        <pc:cxnChg chg="add mod">
+          <ac:chgData name="hua yang" userId="d39ae4abbec8d8e6" providerId="LiveId" clId="{BFFD745A-87CA-477C-A70D-F9318D59A136}" dt="2018-10-01T06:16:25.364" v="27" actId="1076"/>
+          <ac:cxnSpMkLst>
+            <pc:docMk/>
+            <pc:sldMk cId="2980055840" sldId="258"/>
+            <ac:cxnSpMk id="3" creationId="{9F368003-D4B6-48DC-9BB9-30D9C7D3416D}"/>
+          </ac:cxnSpMkLst>
+        </pc:cxnChg>
+        <pc:cxnChg chg="add mod">
+          <ac:chgData name="hua yang" userId="d39ae4abbec8d8e6" providerId="LiveId" clId="{BFFD745A-87CA-477C-A70D-F9318D59A136}" dt="2018-10-01T06:16:59.817" v="32" actId="1076"/>
+          <ac:cxnSpMkLst>
+            <pc:docMk/>
+            <pc:sldMk cId="2980055840" sldId="258"/>
+            <ac:cxnSpMk id="5" creationId="{D7FA6907-681B-4291-AC9B-CAAC4A37A0D5}"/>
+          </ac:cxnSpMkLst>
+        </pc:cxnChg>
+        <pc:cxnChg chg="add mod">
+          <ac:chgData name="hua yang" userId="d39ae4abbec8d8e6" providerId="LiveId" clId="{BFFD745A-87CA-477C-A70D-F9318D59A136}" dt="2018-10-01T06:16:55.328" v="31" actId="1076"/>
+          <ac:cxnSpMkLst>
+            <pc:docMk/>
+            <pc:sldMk cId="2980055840" sldId="258"/>
+            <ac:cxnSpMk id="6" creationId="{39F8F376-A935-45B1-866C-ACEA0E24C8FE}"/>
+          </ac:cxnSpMkLst>
+        </pc:cxnChg>
+        <pc:cxnChg chg="add mod">
+          <ac:chgData name="hua yang" userId="d39ae4abbec8d8e6" providerId="LiveId" clId="{BFFD745A-87CA-477C-A70D-F9318D59A136}" dt="2018-10-01T06:22:49.087" v="62" actId="1035"/>
+          <ac:cxnSpMkLst>
+            <pc:docMk/>
+            <pc:sldMk cId="2980055840" sldId="258"/>
+            <ac:cxnSpMk id="11" creationId="{AAC69663-BF9E-40BD-B3E5-E6F822304EFD}"/>
+          </ac:cxnSpMkLst>
+        </pc:cxnChg>
+        <pc:cxnChg chg="add mod">
+          <ac:chgData name="hua yang" userId="d39ae4abbec8d8e6" providerId="LiveId" clId="{BFFD745A-87CA-477C-A70D-F9318D59A136}" dt="2018-10-01T06:22:43.519" v="61" actId="1036"/>
+          <ac:cxnSpMkLst>
+            <pc:docMk/>
+            <pc:sldMk cId="2980055840" sldId="258"/>
+            <ac:cxnSpMk id="13" creationId="{9175CF64-452D-42D0-8046-90A2E3EA39AD}"/>
+          </ac:cxnSpMkLst>
+        </pc:cxnChg>
+      </pc:sldChg>
     </pc:docChg>
   </pc:docChgLst>
 </pc:chgInfo>
@@ -328,7 +408,7 @@
           <a:p>
             <a:fld id="{6C036B32-9525-4F75-A211-C625E33EB08D}" type="datetimeFigureOut">
               <a:rPr lang="zh-CN" altLang="en-US" smtClean="0"/>
-              <a:t>2018/9/30</a:t>
+              <a:t>2018/10/1</a:t>
             </a:fld>
             <a:endParaRPr lang="zh-CN" altLang="en-US"/>
           </a:p>
@@ -526,7 +606,7 @@
           <a:p>
             <a:fld id="{6C036B32-9525-4F75-A211-C625E33EB08D}" type="datetimeFigureOut">
               <a:rPr lang="zh-CN" altLang="en-US" smtClean="0"/>
-              <a:t>2018/9/30</a:t>
+              <a:t>2018/10/1</a:t>
             </a:fld>
             <a:endParaRPr lang="zh-CN" altLang="en-US"/>
           </a:p>
@@ -734,7 +814,7 @@
           <a:p>
             <a:fld id="{6C036B32-9525-4F75-A211-C625E33EB08D}" type="datetimeFigureOut">
               <a:rPr lang="zh-CN" altLang="en-US" smtClean="0"/>
-              <a:t>2018/9/30</a:t>
+              <a:t>2018/10/1</a:t>
             </a:fld>
             <a:endParaRPr lang="zh-CN" altLang="en-US"/>
           </a:p>
@@ -932,7 +1012,7 @@
           <a:p>
             <a:fld id="{6C036B32-9525-4F75-A211-C625E33EB08D}" type="datetimeFigureOut">
               <a:rPr lang="zh-CN" altLang="en-US" smtClean="0"/>
-              <a:t>2018/9/30</a:t>
+              <a:t>2018/10/1</a:t>
             </a:fld>
             <a:endParaRPr lang="zh-CN" altLang="en-US"/>
           </a:p>
@@ -1207,7 +1287,7 @@
           <a:p>
             <a:fld id="{6C036B32-9525-4F75-A211-C625E33EB08D}" type="datetimeFigureOut">
               <a:rPr lang="zh-CN" altLang="en-US" smtClean="0"/>
-              <a:t>2018/9/30</a:t>
+              <a:t>2018/10/1</a:t>
             </a:fld>
             <a:endParaRPr lang="zh-CN" altLang="en-US"/>
           </a:p>
@@ -1472,7 +1552,7 @@
           <a:p>
             <a:fld id="{6C036B32-9525-4F75-A211-C625E33EB08D}" type="datetimeFigureOut">
               <a:rPr lang="zh-CN" altLang="en-US" smtClean="0"/>
-              <a:t>2018/9/30</a:t>
+              <a:t>2018/10/1</a:t>
             </a:fld>
             <a:endParaRPr lang="zh-CN" altLang="en-US"/>
           </a:p>
@@ -1884,7 +1964,7 @@
           <a:p>
             <a:fld id="{6C036B32-9525-4F75-A211-C625E33EB08D}" type="datetimeFigureOut">
               <a:rPr lang="zh-CN" altLang="en-US" smtClean="0"/>
-              <a:t>2018/9/30</a:t>
+              <a:t>2018/10/1</a:t>
             </a:fld>
             <a:endParaRPr lang="zh-CN" altLang="en-US"/>
           </a:p>
@@ -2025,7 +2105,7 @@
           <a:p>
             <a:fld id="{6C036B32-9525-4F75-A211-C625E33EB08D}" type="datetimeFigureOut">
               <a:rPr lang="zh-CN" altLang="en-US" smtClean="0"/>
-              <a:t>2018/9/30</a:t>
+              <a:t>2018/10/1</a:t>
             </a:fld>
             <a:endParaRPr lang="zh-CN" altLang="en-US"/>
           </a:p>
@@ -2138,7 +2218,7 @@
           <a:p>
             <a:fld id="{6C036B32-9525-4F75-A211-C625E33EB08D}" type="datetimeFigureOut">
               <a:rPr lang="zh-CN" altLang="en-US" smtClean="0"/>
-              <a:t>2018/9/30</a:t>
+              <a:t>2018/10/1</a:t>
             </a:fld>
             <a:endParaRPr lang="zh-CN" altLang="en-US"/>
           </a:p>
@@ -2449,7 +2529,7 @@
           <a:p>
             <a:fld id="{6C036B32-9525-4F75-A211-C625E33EB08D}" type="datetimeFigureOut">
               <a:rPr lang="zh-CN" altLang="en-US" smtClean="0"/>
-              <a:t>2018/9/30</a:t>
+              <a:t>2018/10/1</a:t>
             </a:fld>
             <a:endParaRPr lang="zh-CN" altLang="en-US"/>
           </a:p>
@@ -2737,7 +2817,7 @@
           <a:p>
             <a:fld id="{6C036B32-9525-4F75-A211-C625E33EB08D}" type="datetimeFigureOut">
               <a:rPr lang="zh-CN" altLang="en-US" smtClean="0"/>
-              <a:t>2018/9/30</a:t>
+              <a:t>2018/10/1</a:t>
             </a:fld>
             <a:endParaRPr lang="zh-CN" altLang="en-US"/>
           </a:p>
@@ -2978,7 +3058,7 @@
           <a:p>
             <a:fld id="{6C036B32-9525-4F75-A211-C625E33EB08D}" type="datetimeFigureOut">
               <a:rPr lang="zh-CN" altLang="en-US" smtClean="0"/>
-              <a:t>2018/9/30</a:t>
+              <a:t>2018/10/1</a:t>
             </a:fld>
             <a:endParaRPr lang="zh-CN" altLang="en-US"/>
           </a:p>
@@ -5548,6 +5628,369 @@
 </p:sld>
 </file>
 
+<file path=ppt/slides/slide2.xml><?xml version="1.0" encoding="utf-8"?>
+<p:sld xmlns:a="http://schemas.openxmlformats.org/drawingml/2006/main" xmlns:r="http://schemas.openxmlformats.org/officeDocument/2006/relationships" xmlns:p="http://schemas.openxmlformats.org/presentationml/2006/main">
+  <p:cSld>
+    <p:spTree>
+      <p:nvGrpSpPr>
+        <p:cNvPr id="1" name=""/>
+        <p:cNvGrpSpPr/>
+        <p:nvPr/>
+      </p:nvGrpSpPr>
+      <p:grpSpPr>
+        <a:xfrm>
+          <a:off x="0" y="0"/>
+          <a:ext cx="0" cy="0"/>
+          <a:chOff x="0" y="0"/>
+          <a:chExt cx="0" cy="0"/>
+        </a:xfrm>
+      </p:grpSpPr>
+      <p:cxnSp>
+        <p:nvCxnSpPr>
+          <p:cNvPr id="3" name="直接连接符 2">
+            <a:extLst>
+              <a:ext uri="{FF2B5EF4-FFF2-40B4-BE49-F238E27FC236}">
+                <a16:creationId xmlns:a16="http://schemas.microsoft.com/office/drawing/2014/main" id="{9F368003-D4B6-48DC-9BB9-30D9C7D3416D}"/>
+              </a:ext>
+            </a:extLst>
+          </p:cNvPr>
+          <p:cNvCxnSpPr/>
+          <p:nvPr/>
+        </p:nvCxnSpPr>
+        <p:spPr>
+          <a:xfrm>
+            <a:off x="1939636" y="1981200"/>
+            <a:ext cx="4156364" cy="0"/>
+          </a:xfrm>
+          <a:prstGeom prst="line">
+            <a:avLst/>
+          </a:prstGeom>
+          <a:ln w="38100"/>
+        </p:spPr>
+        <p:style>
+          <a:lnRef idx="1">
+            <a:schemeClr val="accent1"/>
+          </a:lnRef>
+          <a:fillRef idx="0">
+            <a:schemeClr val="accent1"/>
+          </a:fillRef>
+          <a:effectRef idx="0">
+            <a:schemeClr val="accent1"/>
+          </a:effectRef>
+          <a:fontRef idx="minor">
+            <a:schemeClr val="tx1"/>
+          </a:fontRef>
+        </p:style>
+      </p:cxnSp>
+      <p:cxnSp>
+        <p:nvCxnSpPr>
+          <p:cNvPr id="5" name="直接连接符 4">
+            <a:extLst>
+              <a:ext uri="{FF2B5EF4-FFF2-40B4-BE49-F238E27FC236}">
+                <a16:creationId xmlns:a16="http://schemas.microsoft.com/office/drawing/2014/main" id="{D7FA6907-681B-4291-AC9B-CAAC4A37A0D5}"/>
+              </a:ext>
+            </a:extLst>
+          </p:cNvPr>
+          <p:cNvCxnSpPr/>
+          <p:nvPr/>
+        </p:nvCxnSpPr>
+        <p:spPr>
+          <a:xfrm>
+            <a:off x="3048001" y="1828800"/>
+            <a:ext cx="0" cy="290945"/>
+          </a:xfrm>
+          <a:prstGeom prst="line">
+            <a:avLst/>
+          </a:prstGeom>
+          <a:ln w="28575"/>
+        </p:spPr>
+        <p:style>
+          <a:lnRef idx="1">
+            <a:schemeClr val="accent1"/>
+          </a:lnRef>
+          <a:fillRef idx="0">
+            <a:schemeClr val="accent1"/>
+          </a:fillRef>
+          <a:effectRef idx="0">
+            <a:schemeClr val="accent1"/>
+          </a:effectRef>
+          <a:fontRef idx="minor">
+            <a:schemeClr val="tx1"/>
+          </a:fontRef>
+        </p:style>
+      </p:cxnSp>
+      <p:cxnSp>
+        <p:nvCxnSpPr>
+          <p:cNvPr id="6" name="直接连接符 5">
+            <a:extLst>
+              <a:ext uri="{FF2B5EF4-FFF2-40B4-BE49-F238E27FC236}">
+                <a16:creationId xmlns:a16="http://schemas.microsoft.com/office/drawing/2014/main" id="{39F8F376-A935-45B1-866C-ACEA0E24C8FE}"/>
+              </a:ext>
+            </a:extLst>
+          </p:cNvPr>
+          <p:cNvCxnSpPr/>
+          <p:nvPr/>
+        </p:nvCxnSpPr>
+        <p:spPr>
+          <a:xfrm>
+            <a:off x="4655128" y="1835727"/>
+            <a:ext cx="0" cy="290945"/>
+          </a:xfrm>
+          <a:prstGeom prst="line">
+            <a:avLst/>
+          </a:prstGeom>
+          <a:ln w="28575"/>
+        </p:spPr>
+        <p:style>
+          <a:lnRef idx="1">
+            <a:schemeClr val="accent1"/>
+          </a:lnRef>
+          <a:fillRef idx="0">
+            <a:schemeClr val="accent1"/>
+          </a:fillRef>
+          <a:effectRef idx="0">
+            <a:schemeClr val="accent1"/>
+          </a:effectRef>
+          <a:fontRef idx="minor">
+            <a:schemeClr val="tx1"/>
+          </a:fontRef>
+        </p:style>
+      </p:cxnSp>
+      <p:sp>
+        <p:nvSpPr>
+          <p:cNvPr id="7" name="文本框 6">
+            <a:extLst>
+              <a:ext uri="{FF2B5EF4-FFF2-40B4-BE49-F238E27FC236}">
+                <a16:creationId xmlns:a16="http://schemas.microsoft.com/office/drawing/2014/main" id="{EE02664D-B654-4145-B6D2-B266E5A7837C}"/>
+              </a:ext>
+            </a:extLst>
+          </p:cNvPr>
+          <p:cNvSpPr txBox="1"/>
+          <p:nvPr/>
+        </p:nvSpPr>
+        <p:spPr>
+          <a:xfrm>
+            <a:off x="2905173" y="2272145"/>
+            <a:ext cx="285656" cy="369332"/>
+          </a:xfrm>
+          <a:prstGeom prst="rect">
+            <a:avLst/>
+          </a:prstGeom>
+          <a:noFill/>
+        </p:spPr>
+        <p:txBody>
+          <a:bodyPr wrap="none" rtlCol="0">
+            <a:spAutoFit/>
+          </a:bodyPr>
+          <a:lstStyle/>
+          <a:p>
+            <a:r>
+              <a:rPr lang="en-US" altLang="zh-CN" dirty="0"/>
+              <a:t>x</a:t>
+            </a:r>
+            <a:endParaRPr lang="zh-CN" altLang="en-US" dirty="0"/>
+          </a:p>
+        </p:txBody>
+      </p:sp>
+      <p:sp>
+        <p:nvSpPr>
+          <p:cNvPr id="8" name="文本框 7">
+            <a:extLst>
+              <a:ext uri="{FF2B5EF4-FFF2-40B4-BE49-F238E27FC236}">
+                <a16:creationId xmlns:a16="http://schemas.microsoft.com/office/drawing/2014/main" id="{1CCB9AC5-DD42-49BE-9B73-2FC92A30F3A4}"/>
+              </a:ext>
+            </a:extLst>
+          </p:cNvPr>
+          <p:cNvSpPr txBox="1"/>
+          <p:nvPr/>
+        </p:nvSpPr>
+        <p:spPr>
+          <a:xfrm>
+            <a:off x="4512300" y="2272145"/>
+            <a:ext cx="292068" cy="369332"/>
+          </a:xfrm>
+          <a:prstGeom prst="rect">
+            <a:avLst/>
+          </a:prstGeom>
+          <a:noFill/>
+        </p:spPr>
+        <p:txBody>
+          <a:bodyPr wrap="none" rtlCol="0">
+            <a:spAutoFit/>
+          </a:bodyPr>
+          <a:lstStyle/>
+          <a:p>
+            <a:r>
+              <a:rPr lang="en-US" altLang="zh-CN" dirty="0"/>
+              <a:t>y</a:t>
+            </a:r>
+            <a:endParaRPr lang="zh-CN" altLang="en-US" dirty="0"/>
+          </a:p>
+        </p:txBody>
+      </p:sp>
+      <p:sp>
+        <p:nvSpPr>
+          <p:cNvPr id="9" name="文本框 8">
+            <a:extLst>
+              <a:ext uri="{FF2B5EF4-FFF2-40B4-BE49-F238E27FC236}">
+                <a16:creationId xmlns:a16="http://schemas.microsoft.com/office/drawing/2014/main" id="{3DC5A204-072C-4720-926B-36310835763A}"/>
+              </a:ext>
+            </a:extLst>
+          </p:cNvPr>
+          <p:cNvSpPr txBox="1"/>
+          <p:nvPr/>
+        </p:nvSpPr>
+        <p:spPr>
+          <a:xfrm>
+            <a:off x="1796808" y="2270873"/>
+            <a:ext cx="306494" cy="369332"/>
+          </a:xfrm>
+          <a:prstGeom prst="rect">
+            <a:avLst/>
+          </a:prstGeom>
+          <a:noFill/>
+        </p:spPr>
+        <p:txBody>
+          <a:bodyPr wrap="none" rtlCol="0">
+            <a:spAutoFit/>
+          </a:bodyPr>
+          <a:lstStyle/>
+          <a:p>
+            <a:r>
+              <a:rPr lang="en-US" altLang="zh-CN" dirty="0"/>
+              <a:t>0</a:t>
+            </a:r>
+            <a:endParaRPr lang="zh-CN" altLang="en-US" dirty="0"/>
+          </a:p>
+        </p:txBody>
+      </p:sp>
+      <p:sp>
+        <p:nvSpPr>
+          <p:cNvPr id="10" name="文本框 9">
+            <a:extLst>
+              <a:ext uri="{FF2B5EF4-FFF2-40B4-BE49-F238E27FC236}">
+                <a16:creationId xmlns:a16="http://schemas.microsoft.com/office/drawing/2014/main" id="{B83C7FDD-D18D-4280-AFF5-C442ED740E31}"/>
+              </a:ext>
+            </a:extLst>
+          </p:cNvPr>
+          <p:cNvSpPr txBox="1"/>
+          <p:nvPr/>
+        </p:nvSpPr>
+        <p:spPr>
+          <a:xfrm>
+            <a:off x="5942753" y="2270873"/>
+            <a:ext cx="306494" cy="369332"/>
+          </a:xfrm>
+          <a:prstGeom prst="rect">
+            <a:avLst/>
+          </a:prstGeom>
+          <a:noFill/>
+        </p:spPr>
+        <p:txBody>
+          <a:bodyPr wrap="none" rtlCol="0">
+            <a:spAutoFit/>
+          </a:bodyPr>
+          <a:lstStyle/>
+          <a:p>
+            <a:r>
+              <a:rPr lang="en-US" altLang="zh-CN" dirty="0"/>
+              <a:t>1</a:t>
+            </a:r>
+            <a:endParaRPr lang="zh-CN" altLang="en-US" dirty="0"/>
+          </a:p>
+        </p:txBody>
+      </p:sp>
+      <p:cxnSp>
+        <p:nvCxnSpPr>
+          <p:cNvPr id="11" name="直接连接符 10">
+            <a:extLst>
+              <a:ext uri="{FF2B5EF4-FFF2-40B4-BE49-F238E27FC236}">
+                <a16:creationId xmlns:a16="http://schemas.microsoft.com/office/drawing/2014/main" id="{AAC69663-BF9E-40BD-B3E5-E6F822304EFD}"/>
+              </a:ext>
+            </a:extLst>
+          </p:cNvPr>
+          <p:cNvCxnSpPr>
+            <a:cxnSpLocks/>
+          </p:cNvCxnSpPr>
+          <p:nvPr/>
+        </p:nvCxnSpPr>
+        <p:spPr>
+          <a:xfrm>
+            <a:off x="1950055" y="1843232"/>
+            <a:ext cx="0" cy="152400"/>
+          </a:xfrm>
+          <a:prstGeom prst="line">
+            <a:avLst/>
+          </a:prstGeom>
+          <a:ln w="28575"/>
+        </p:spPr>
+        <p:style>
+          <a:lnRef idx="1">
+            <a:schemeClr val="accent1"/>
+          </a:lnRef>
+          <a:fillRef idx="0">
+            <a:schemeClr val="accent1"/>
+          </a:fillRef>
+          <a:effectRef idx="0">
+            <a:schemeClr val="accent1"/>
+          </a:effectRef>
+          <a:fontRef idx="minor">
+            <a:schemeClr val="tx1"/>
+          </a:fontRef>
+        </p:style>
+      </p:cxnSp>
+      <p:cxnSp>
+        <p:nvCxnSpPr>
+          <p:cNvPr id="13" name="直接连接符 12">
+            <a:extLst>
+              <a:ext uri="{FF2B5EF4-FFF2-40B4-BE49-F238E27FC236}">
+                <a16:creationId xmlns:a16="http://schemas.microsoft.com/office/drawing/2014/main" id="{9175CF64-452D-42D0-8046-90A2E3EA39AD}"/>
+              </a:ext>
+            </a:extLst>
+          </p:cNvPr>
+          <p:cNvCxnSpPr>
+            <a:cxnSpLocks/>
+          </p:cNvCxnSpPr>
+          <p:nvPr/>
+        </p:nvCxnSpPr>
+        <p:spPr>
+          <a:xfrm>
+            <a:off x="6083905" y="1842077"/>
+            <a:ext cx="0" cy="152400"/>
+          </a:xfrm>
+          <a:prstGeom prst="line">
+            <a:avLst/>
+          </a:prstGeom>
+          <a:ln w="28575"/>
+        </p:spPr>
+        <p:style>
+          <a:lnRef idx="1">
+            <a:schemeClr val="accent1"/>
+          </a:lnRef>
+          <a:fillRef idx="0">
+            <a:schemeClr val="accent1"/>
+          </a:fillRef>
+          <a:effectRef idx="0">
+            <a:schemeClr val="accent1"/>
+          </a:effectRef>
+          <a:fontRef idx="minor">
+            <a:schemeClr val="tx1"/>
+          </a:fontRef>
+        </p:style>
+      </p:cxnSp>
+    </p:spTree>
+    <p:extLst>
+      <p:ext uri="{BB962C8B-B14F-4D97-AF65-F5344CB8AC3E}">
+        <p14:creationId xmlns:p14="http://schemas.microsoft.com/office/powerpoint/2010/main" val="2980055840"/>
+      </p:ext>
+    </p:extLst>
+  </p:cSld>
+  <p:clrMapOvr>
+    <a:masterClrMapping/>
+  </p:clrMapOvr>
+</p:sld>
+</file>
+
 <file path=ppt/theme/theme1.xml><?xml version="1.0" encoding="utf-8"?>
 <a:theme xmlns:a="http://schemas.openxmlformats.org/drawingml/2006/main" name="Office 主题​​">
   <a:themeElements>

--- a/_notes/图示.pptx
+++ b/_notes/图示.pptx
@@ -7,6 +7,7 @@
   <p:sldIdLst>
     <p:sldId id="257" r:id="rId2"/>
     <p:sldId id="258" r:id="rId3"/>
+    <p:sldId id="259" r:id="rId4"/>
   </p:sldIdLst>
   <p:sldSz cx="12192000" cy="6858000"/>
   <p:notesSz cx="6858000" cy="9144000"/>
@@ -116,7 +117,7 @@
 <file path=ppt/revisionInfo.xml><?xml version="1.0" encoding="utf-8"?>
 <p1510:revInfo xmlns:a="http://schemas.openxmlformats.org/drawingml/2006/main" xmlns:r="http://schemas.openxmlformats.org/officeDocument/2006/relationships" xmlns:p1510="http://schemas.microsoft.com/office/powerpoint/2015/10/main">
   <p1510:revLst>
-    <p1510:client id="{BFFD745A-87CA-477C-A70D-F9318D59A136}" v="66" dt="2018-10-01T06:22:49.087"/>
+    <p1510:client id="{BFFD745A-87CA-477C-A70D-F9318D59A136}" v="82" dt="2018-10-18T07:14:38.162"/>
   </p1510:revLst>
 </p1510:revInfo>
 </file>
@@ -126,7 +127,7 @@
   <pc:docChgLst>
     <pc:chgData name="hua yang" userId="d39ae4abbec8d8e6" providerId="LiveId" clId="{BFFD745A-87CA-477C-A70D-F9318D59A136}"/>
     <pc:docChg chg="undo addSld modSld">
-      <pc:chgData name="hua yang" userId="d39ae4abbec8d8e6" providerId="LiveId" clId="{BFFD745A-87CA-477C-A70D-F9318D59A136}" dt="2018-10-01T06:22:49.087" v="62" actId="1035"/>
+      <pc:chgData name="hua yang" userId="d39ae4abbec8d8e6" providerId="LiveId" clId="{BFFD745A-87CA-477C-A70D-F9318D59A136}" dt="2018-10-18T07:14:55.052" v="120" actId="20577"/>
       <pc:docMkLst>
         <pc:docMk/>
       </pc:docMkLst>
@@ -256,6 +257,125 @@
           </ac:cxnSpMkLst>
         </pc:cxnChg>
       </pc:sldChg>
+      <pc:sldChg chg="addSp modSp add">
+        <pc:chgData name="hua yang" userId="d39ae4abbec8d8e6" providerId="LiveId" clId="{BFFD745A-87CA-477C-A70D-F9318D59A136}" dt="2018-10-18T07:14:55.052" v="120" actId="20577"/>
+        <pc:sldMkLst>
+          <pc:docMk/>
+          <pc:sldMk cId="1165414816" sldId="259"/>
+        </pc:sldMkLst>
+        <pc:spChg chg="add mod">
+          <ac:chgData name="hua yang" userId="d39ae4abbec8d8e6" providerId="LiveId" clId="{BFFD745A-87CA-477C-A70D-F9318D59A136}" dt="2018-10-18T07:10:35.377" v="65" actId="13822"/>
+          <ac:spMkLst>
+            <pc:docMk/>
+            <pc:sldMk cId="1165414816" sldId="259"/>
+            <ac:spMk id="2" creationId="{150EF8BD-D930-4E9E-9837-D6752BD0077C}"/>
+          </ac:spMkLst>
+        </pc:spChg>
+        <pc:spChg chg="add mod">
+          <ac:chgData name="hua yang" userId="d39ae4abbec8d8e6" providerId="LiveId" clId="{BFFD745A-87CA-477C-A70D-F9318D59A136}" dt="2018-10-18T07:11:18.803" v="83" actId="1036"/>
+          <ac:spMkLst>
+            <pc:docMk/>
+            <pc:sldMk cId="1165414816" sldId="259"/>
+            <ac:spMk id="7" creationId="{5835266E-F72B-499E-AF2E-53B1ACE4A4CE}"/>
+          </ac:spMkLst>
+        </pc:spChg>
+        <pc:spChg chg="add mod">
+          <ac:chgData name="hua yang" userId="d39ae4abbec8d8e6" providerId="LiveId" clId="{BFFD745A-87CA-477C-A70D-F9318D59A136}" dt="2018-10-18T07:11:29.834" v="87" actId="1076"/>
+          <ac:spMkLst>
+            <pc:docMk/>
+            <pc:sldMk cId="1165414816" sldId="259"/>
+            <ac:spMk id="8" creationId="{EB67651F-27F7-4CC8-9F3C-EF05C7312F14}"/>
+          </ac:spMkLst>
+        </pc:spChg>
+        <pc:spChg chg="add mod">
+          <ac:chgData name="hua yang" userId="d39ae4abbec8d8e6" providerId="LiveId" clId="{BFFD745A-87CA-477C-A70D-F9318D59A136}" dt="2018-10-18T07:12:13.847" v="95" actId="13822"/>
+          <ac:spMkLst>
+            <pc:docMk/>
+            <pc:sldMk cId="1165414816" sldId="259"/>
+            <ac:spMk id="9" creationId="{C0287656-31F4-49C5-9D31-C75738D6A676}"/>
+          </ac:spMkLst>
+        </pc:spChg>
+        <pc:spChg chg="add mod">
+          <ac:chgData name="hua yang" userId="d39ae4abbec8d8e6" providerId="LiveId" clId="{BFFD745A-87CA-477C-A70D-F9318D59A136}" dt="2018-10-18T07:12:00.084" v="91" actId="1076"/>
+          <ac:spMkLst>
+            <pc:docMk/>
+            <pc:sldMk cId="1165414816" sldId="259"/>
+            <ac:spMk id="10" creationId="{02DFB186-C235-49F0-BA46-53F86BAC8A35}"/>
+          </ac:spMkLst>
+        </pc:spChg>
+        <pc:spChg chg="add mod">
+          <ac:chgData name="hua yang" userId="d39ae4abbec8d8e6" providerId="LiveId" clId="{BFFD745A-87CA-477C-A70D-F9318D59A136}" dt="2018-10-18T07:12:05.532" v="93" actId="1076"/>
+          <ac:spMkLst>
+            <pc:docMk/>
+            <pc:sldMk cId="1165414816" sldId="259"/>
+            <ac:spMk id="11" creationId="{DC60FBE8-2A28-4F1A-B9A9-E38815094CFA}"/>
+          </ac:spMkLst>
+        </pc:spChg>
+        <pc:spChg chg="add mod">
+          <ac:chgData name="hua yang" userId="d39ae4abbec8d8e6" providerId="LiveId" clId="{BFFD745A-87CA-477C-A70D-F9318D59A136}" dt="2018-10-18T07:14:19.947" v="97" actId="1076"/>
+          <ac:spMkLst>
+            <pc:docMk/>
+            <pc:sldMk cId="1165414816" sldId="259"/>
+            <ac:spMk id="12" creationId="{114722B8-D0B4-4A80-A31C-2CDFD55AF8E6}"/>
+          </ac:spMkLst>
+        </pc:spChg>
+        <pc:spChg chg="add mod">
+          <ac:chgData name="hua yang" userId="d39ae4abbec8d8e6" providerId="LiveId" clId="{BFFD745A-87CA-477C-A70D-F9318D59A136}" dt="2018-10-18T07:14:24.214" v="99" actId="1076"/>
+          <ac:spMkLst>
+            <pc:docMk/>
+            <pc:sldMk cId="1165414816" sldId="259"/>
+            <ac:spMk id="13" creationId="{AB1EADE0-1B1C-48D7-9F13-0FD3F5DFA943}"/>
+          </ac:spMkLst>
+        </pc:spChg>
+        <pc:spChg chg="add mod">
+          <ac:chgData name="hua yang" userId="d39ae4abbec8d8e6" providerId="LiveId" clId="{BFFD745A-87CA-477C-A70D-F9318D59A136}" dt="2018-10-18T07:14:43.324" v="110" actId="20577"/>
+          <ac:spMkLst>
+            <pc:docMk/>
+            <pc:sldMk cId="1165414816" sldId="259"/>
+            <ac:spMk id="14" creationId="{881D4887-8BD5-405E-B422-D001A011994E}"/>
+          </ac:spMkLst>
+        </pc:spChg>
+        <pc:spChg chg="add mod">
+          <ac:chgData name="hua yang" userId="d39ae4abbec8d8e6" providerId="LiveId" clId="{BFFD745A-87CA-477C-A70D-F9318D59A136}" dt="2018-10-18T07:14:46.572" v="113" actId="20577"/>
+          <ac:spMkLst>
+            <pc:docMk/>
+            <pc:sldMk cId="1165414816" sldId="259"/>
+            <ac:spMk id="15" creationId="{4E6C568A-5E1B-449C-8F5A-EBD805FB8B0C}"/>
+          </ac:spMkLst>
+        </pc:spChg>
+        <pc:spChg chg="add mod">
+          <ac:chgData name="hua yang" userId="d39ae4abbec8d8e6" providerId="LiveId" clId="{BFFD745A-87CA-477C-A70D-F9318D59A136}" dt="2018-10-18T07:14:52.795" v="117" actId="1076"/>
+          <ac:spMkLst>
+            <pc:docMk/>
+            <pc:sldMk cId="1165414816" sldId="259"/>
+            <ac:spMk id="16" creationId="{47D2D136-83E2-47CF-B39B-0AA7BD50514E}"/>
+          </ac:spMkLst>
+        </pc:spChg>
+        <pc:spChg chg="add mod">
+          <ac:chgData name="hua yang" userId="d39ae4abbec8d8e6" providerId="LiveId" clId="{BFFD745A-87CA-477C-A70D-F9318D59A136}" dt="2018-10-18T07:14:55.052" v="120" actId="20577"/>
+          <ac:spMkLst>
+            <pc:docMk/>
+            <pc:sldMk cId="1165414816" sldId="259"/>
+            <ac:spMk id="17" creationId="{90BF99DD-4F8D-4B99-8417-43BBBC36B27D}"/>
+          </ac:spMkLst>
+        </pc:spChg>
+        <pc:cxnChg chg="add mod">
+          <ac:chgData name="hua yang" userId="d39ae4abbec8d8e6" providerId="LiveId" clId="{BFFD745A-87CA-477C-A70D-F9318D59A136}" dt="2018-10-18T07:10:41.569" v="66" actId="11529"/>
+          <ac:cxnSpMkLst>
+            <pc:docMk/>
+            <pc:sldMk cId="1165414816" sldId="259"/>
+            <ac:cxnSpMk id="4" creationId="{6933CF76-9EB4-448C-8687-27674609BE6E}"/>
+          </ac:cxnSpMkLst>
+        </pc:cxnChg>
+        <pc:cxnChg chg="add mod">
+          <ac:chgData name="hua yang" userId="d39ae4abbec8d8e6" providerId="LiveId" clId="{BFFD745A-87CA-477C-A70D-F9318D59A136}" dt="2018-10-18T07:10:49.948" v="67" actId="11529"/>
+          <ac:cxnSpMkLst>
+            <pc:docMk/>
+            <pc:sldMk cId="1165414816" sldId="259"/>
+            <ac:cxnSpMk id="6" creationId="{1DCB97D1-A943-403D-B540-E1A3E8DC24BA}"/>
+          </ac:cxnSpMkLst>
+        </pc:cxnChg>
+      </pc:sldChg>
     </pc:docChg>
   </pc:docChgLst>
 </pc:chgInfo>
@@ -408,7 +528,7 @@
           <a:p>
             <a:fld id="{6C036B32-9525-4F75-A211-C625E33EB08D}" type="datetimeFigureOut">
               <a:rPr lang="zh-CN" altLang="en-US" smtClean="0"/>
-              <a:t>2018/10/1</a:t>
+              <a:t>2018/10/18</a:t>
             </a:fld>
             <a:endParaRPr lang="zh-CN" altLang="en-US"/>
           </a:p>
@@ -606,7 +726,7 @@
           <a:p>
             <a:fld id="{6C036B32-9525-4F75-A211-C625E33EB08D}" type="datetimeFigureOut">
               <a:rPr lang="zh-CN" altLang="en-US" smtClean="0"/>
-              <a:t>2018/10/1</a:t>
+              <a:t>2018/10/18</a:t>
             </a:fld>
             <a:endParaRPr lang="zh-CN" altLang="en-US"/>
           </a:p>
@@ -814,7 +934,7 @@
           <a:p>
             <a:fld id="{6C036B32-9525-4F75-A211-C625E33EB08D}" type="datetimeFigureOut">
               <a:rPr lang="zh-CN" altLang="en-US" smtClean="0"/>
-              <a:t>2018/10/1</a:t>
+              <a:t>2018/10/18</a:t>
             </a:fld>
             <a:endParaRPr lang="zh-CN" altLang="en-US"/>
           </a:p>
@@ -1012,7 +1132,7 @@
           <a:p>
             <a:fld id="{6C036B32-9525-4F75-A211-C625E33EB08D}" type="datetimeFigureOut">
               <a:rPr lang="zh-CN" altLang="en-US" smtClean="0"/>
-              <a:t>2018/10/1</a:t>
+              <a:t>2018/10/18</a:t>
             </a:fld>
             <a:endParaRPr lang="zh-CN" altLang="en-US"/>
           </a:p>
@@ -1287,7 +1407,7 @@
           <a:p>
             <a:fld id="{6C036B32-9525-4F75-A211-C625E33EB08D}" type="datetimeFigureOut">
               <a:rPr lang="zh-CN" altLang="en-US" smtClean="0"/>
-              <a:t>2018/10/1</a:t>
+              <a:t>2018/10/18</a:t>
             </a:fld>
             <a:endParaRPr lang="zh-CN" altLang="en-US"/>
           </a:p>
@@ -1552,7 +1672,7 @@
           <a:p>
             <a:fld id="{6C036B32-9525-4F75-A211-C625E33EB08D}" type="datetimeFigureOut">
               <a:rPr lang="zh-CN" altLang="en-US" smtClean="0"/>
-              <a:t>2018/10/1</a:t>
+              <a:t>2018/10/18</a:t>
             </a:fld>
             <a:endParaRPr lang="zh-CN" altLang="en-US"/>
           </a:p>
@@ -1964,7 +2084,7 @@
           <a:p>
             <a:fld id="{6C036B32-9525-4F75-A211-C625E33EB08D}" type="datetimeFigureOut">
               <a:rPr lang="zh-CN" altLang="en-US" smtClean="0"/>
-              <a:t>2018/10/1</a:t>
+              <a:t>2018/10/18</a:t>
             </a:fld>
             <a:endParaRPr lang="zh-CN" altLang="en-US"/>
           </a:p>
@@ -2105,7 +2225,7 @@
           <a:p>
             <a:fld id="{6C036B32-9525-4F75-A211-C625E33EB08D}" type="datetimeFigureOut">
               <a:rPr lang="zh-CN" altLang="en-US" smtClean="0"/>
-              <a:t>2018/10/1</a:t>
+              <a:t>2018/10/18</a:t>
             </a:fld>
             <a:endParaRPr lang="zh-CN" altLang="en-US"/>
           </a:p>
@@ -2218,7 +2338,7 @@
           <a:p>
             <a:fld id="{6C036B32-9525-4F75-A211-C625E33EB08D}" type="datetimeFigureOut">
               <a:rPr lang="zh-CN" altLang="en-US" smtClean="0"/>
-              <a:t>2018/10/1</a:t>
+              <a:t>2018/10/18</a:t>
             </a:fld>
             <a:endParaRPr lang="zh-CN" altLang="en-US"/>
           </a:p>
@@ -2529,7 +2649,7 @@
           <a:p>
             <a:fld id="{6C036B32-9525-4F75-A211-C625E33EB08D}" type="datetimeFigureOut">
               <a:rPr lang="zh-CN" altLang="en-US" smtClean="0"/>
-              <a:t>2018/10/1</a:t>
+              <a:t>2018/10/18</a:t>
             </a:fld>
             <a:endParaRPr lang="zh-CN" altLang="en-US"/>
           </a:p>
@@ -2817,7 +2937,7 @@
           <a:p>
             <a:fld id="{6C036B32-9525-4F75-A211-C625E33EB08D}" type="datetimeFigureOut">
               <a:rPr lang="zh-CN" altLang="en-US" smtClean="0"/>
-              <a:t>2018/10/1</a:t>
+              <a:t>2018/10/18</a:t>
             </a:fld>
             <a:endParaRPr lang="zh-CN" altLang="en-US"/>
           </a:p>
@@ -3058,7 +3178,7 @@
           <a:p>
             <a:fld id="{6C036B32-9525-4F75-A211-C625E33EB08D}" type="datetimeFigureOut">
               <a:rPr lang="zh-CN" altLang="en-US" smtClean="0"/>
-              <a:t>2018/10/1</a:t>
+              <a:t>2018/10/18</a:t>
             </a:fld>
             <a:endParaRPr lang="zh-CN" altLang="en-US"/>
           </a:p>
@@ -5991,6 +6111,614 @@
 </p:sld>
 </file>
 
+<file path=ppt/slides/slide3.xml><?xml version="1.0" encoding="utf-8"?>
+<p:sld xmlns:a="http://schemas.openxmlformats.org/drawingml/2006/main" xmlns:r="http://schemas.openxmlformats.org/officeDocument/2006/relationships" xmlns:p="http://schemas.openxmlformats.org/presentationml/2006/main">
+  <p:cSld>
+    <p:spTree>
+      <p:nvGrpSpPr>
+        <p:cNvPr id="1" name=""/>
+        <p:cNvGrpSpPr/>
+        <p:nvPr/>
+      </p:nvGrpSpPr>
+      <p:grpSpPr>
+        <a:xfrm>
+          <a:off x="0" y="0"/>
+          <a:ext cx="0" cy="0"/>
+          <a:chOff x="0" y="0"/>
+          <a:chExt cx="0" cy="0"/>
+        </a:xfrm>
+      </p:grpSpPr>
+      <p:sp>
+        <p:nvSpPr>
+          <p:cNvPr id="2" name="椭圆 1">
+            <a:extLst>
+              <a:ext uri="{FF2B5EF4-FFF2-40B4-BE49-F238E27FC236}">
+                <a16:creationId xmlns:a16="http://schemas.microsoft.com/office/drawing/2014/main" id="{150EF8BD-D930-4E9E-9837-D6752BD0077C}"/>
+              </a:ext>
+            </a:extLst>
+          </p:cNvPr>
+          <p:cNvSpPr/>
+          <p:nvPr/>
+        </p:nvSpPr>
+        <p:spPr>
+          <a:xfrm>
+            <a:off x="2590800" y="1704109"/>
+            <a:ext cx="1967345" cy="1967345"/>
+          </a:xfrm>
+          <a:prstGeom prst="ellipse">
+            <a:avLst/>
+          </a:prstGeom>
+        </p:spPr>
+        <p:style>
+          <a:lnRef idx="2">
+            <a:schemeClr val="accent1"/>
+          </a:lnRef>
+          <a:fillRef idx="1">
+            <a:schemeClr val="lt1"/>
+          </a:fillRef>
+          <a:effectRef idx="0">
+            <a:schemeClr val="accent1"/>
+          </a:effectRef>
+          <a:fontRef idx="minor">
+            <a:schemeClr val="dk1"/>
+          </a:fontRef>
+        </p:style>
+        <p:txBody>
+          <a:bodyPr rtlCol="0" anchor="ctr"/>
+          <a:lstStyle/>
+          <a:p>
+            <a:pPr algn="ctr"/>
+            <a:endParaRPr lang="zh-CN" altLang="en-US"/>
+          </a:p>
+        </p:txBody>
+      </p:sp>
+      <p:cxnSp>
+        <p:nvCxnSpPr>
+          <p:cNvPr id="4" name="直接连接符 3">
+            <a:extLst>
+              <a:ext uri="{FF2B5EF4-FFF2-40B4-BE49-F238E27FC236}">
+                <a16:creationId xmlns:a16="http://schemas.microsoft.com/office/drawing/2014/main" id="{6933CF76-9EB4-448C-8687-27674609BE6E}"/>
+              </a:ext>
+            </a:extLst>
+          </p:cNvPr>
+          <p:cNvCxnSpPr>
+            <a:stCxn id="2" idx="1"/>
+            <a:endCxn id="2" idx="5"/>
+          </p:cNvCxnSpPr>
+          <p:nvPr/>
+        </p:nvCxnSpPr>
+        <p:spPr>
+          <a:xfrm>
+            <a:off x="2878911" y="1992220"/>
+            <a:ext cx="1391123" cy="1391123"/>
+          </a:xfrm>
+          <a:prstGeom prst="line">
+            <a:avLst/>
+          </a:prstGeom>
+        </p:spPr>
+        <p:style>
+          <a:lnRef idx="1">
+            <a:schemeClr val="accent1"/>
+          </a:lnRef>
+          <a:fillRef idx="0">
+            <a:schemeClr val="accent1"/>
+          </a:fillRef>
+          <a:effectRef idx="0">
+            <a:schemeClr val="accent1"/>
+          </a:effectRef>
+          <a:fontRef idx="minor">
+            <a:schemeClr val="tx1"/>
+          </a:fontRef>
+        </p:style>
+      </p:cxnSp>
+      <p:cxnSp>
+        <p:nvCxnSpPr>
+          <p:cNvPr id="6" name="直接连接符 5">
+            <a:extLst>
+              <a:ext uri="{FF2B5EF4-FFF2-40B4-BE49-F238E27FC236}">
+                <a16:creationId xmlns:a16="http://schemas.microsoft.com/office/drawing/2014/main" id="{1DCB97D1-A943-403D-B540-E1A3E8DC24BA}"/>
+              </a:ext>
+            </a:extLst>
+          </p:cNvPr>
+          <p:cNvCxnSpPr>
+            <a:stCxn id="2" idx="2"/>
+            <a:endCxn id="2" idx="6"/>
+          </p:cNvCxnSpPr>
+          <p:nvPr/>
+        </p:nvCxnSpPr>
+        <p:spPr>
+          <a:xfrm>
+            <a:off x="2590800" y="2687782"/>
+            <a:ext cx="1967345" cy="0"/>
+          </a:xfrm>
+          <a:prstGeom prst="line">
+            <a:avLst/>
+          </a:prstGeom>
+        </p:spPr>
+        <p:style>
+          <a:lnRef idx="1">
+            <a:schemeClr val="accent1"/>
+          </a:lnRef>
+          <a:fillRef idx="0">
+            <a:schemeClr val="accent1"/>
+          </a:fillRef>
+          <a:effectRef idx="0">
+            <a:schemeClr val="accent1"/>
+          </a:effectRef>
+          <a:fontRef idx="minor">
+            <a:schemeClr val="tx1"/>
+          </a:fontRef>
+        </p:style>
+      </p:cxnSp>
+      <p:sp>
+        <p:nvSpPr>
+          <p:cNvPr id="7" name="椭圆 6">
+            <a:extLst>
+              <a:ext uri="{FF2B5EF4-FFF2-40B4-BE49-F238E27FC236}">
+                <a16:creationId xmlns:a16="http://schemas.microsoft.com/office/drawing/2014/main" id="{5835266E-F72B-499E-AF2E-53B1ACE4A4CE}"/>
+              </a:ext>
+            </a:extLst>
+          </p:cNvPr>
+          <p:cNvSpPr/>
+          <p:nvPr/>
+        </p:nvSpPr>
+        <p:spPr>
+          <a:xfrm>
+            <a:off x="3892492" y="1728132"/>
+            <a:ext cx="85034" cy="85034"/>
+          </a:xfrm>
+          <a:prstGeom prst="ellipse">
+            <a:avLst/>
+          </a:prstGeom>
+        </p:spPr>
+        <p:style>
+          <a:lnRef idx="2">
+            <a:schemeClr val="accent1">
+              <a:shade val="50000"/>
+            </a:schemeClr>
+          </a:lnRef>
+          <a:fillRef idx="1">
+            <a:schemeClr val="accent1"/>
+          </a:fillRef>
+          <a:effectRef idx="0">
+            <a:schemeClr val="accent1"/>
+          </a:effectRef>
+          <a:fontRef idx="minor">
+            <a:schemeClr val="lt1"/>
+          </a:fontRef>
+        </p:style>
+        <p:txBody>
+          <a:bodyPr rtlCol="0" anchor="ctr"/>
+          <a:lstStyle/>
+          <a:p>
+            <a:pPr algn="ctr"/>
+            <a:endParaRPr lang="zh-CN" altLang="en-US"/>
+          </a:p>
+        </p:txBody>
+      </p:sp>
+      <p:sp>
+        <p:nvSpPr>
+          <p:cNvPr id="8" name="文本框 7">
+            <a:extLst>
+              <a:ext uri="{FF2B5EF4-FFF2-40B4-BE49-F238E27FC236}">
+                <a16:creationId xmlns:a16="http://schemas.microsoft.com/office/drawing/2014/main" id="{EB67651F-27F7-4CC8-9F3C-EF05C7312F14}"/>
+              </a:ext>
+            </a:extLst>
+          </p:cNvPr>
+          <p:cNvSpPr txBox="1"/>
+          <p:nvPr/>
+        </p:nvSpPr>
+        <p:spPr>
+          <a:xfrm>
+            <a:off x="3950109" y="1460917"/>
+            <a:ext cx="332142" cy="369332"/>
+          </a:xfrm>
+          <a:prstGeom prst="rect">
+            <a:avLst/>
+          </a:prstGeom>
+          <a:noFill/>
+        </p:spPr>
+        <p:txBody>
+          <a:bodyPr wrap="none" rtlCol="0">
+            <a:spAutoFit/>
+          </a:bodyPr>
+          <a:lstStyle/>
+          <a:p>
+            <a:r>
+              <a:rPr lang="en-US" altLang="zh-CN" dirty="0"/>
+              <a:t>A</a:t>
+            </a:r>
+            <a:endParaRPr lang="zh-CN" altLang="en-US" dirty="0"/>
+          </a:p>
+        </p:txBody>
+      </p:sp>
+      <p:sp>
+        <p:nvSpPr>
+          <p:cNvPr id="9" name="椭圆 8">
+            <a:extLst>
+              <a:ext uri="{FF2B5EF4-FFF2-40B4-BE49-F238E27FC236}">
+                <a16:creationId xmlns:a16="http://schemas.microsoft.com/office/drawing/2014/main" id="{C0287656-31F4-49C5-9D31-C75738D6A676}"/>
+              </a:ext>
+            </a:extLst>
+          </p:cNvPr>
+          <p:cNvSpPr/>
+          <p:nvPr/>
+        </p:nvSpPr>
+        <p:spPr>
+          <a:xfrm>
+            <a:off x="3531955" y="2645264"/>
+            <a:ext cx="85034" cy="85034"/>
+          </a:xfrm>
+          <a:prstGeom prst="ellipse">
+            <a:avLst/>
+          </a:prstGeom>
+        </p:spPr>
+        <p:style>
+          <a:lnRef idx="2">
+            <a:schemeClr val="dk1">
+              <a:shade val="50000"/>
+            </a:schemeClr>
+          </a:lnRef>
+          <a:fillRef idx="1">
+            <a:schemeClr val="dk1"/>
+          </a:fillRef>
+          <a:effectRef idx="0">
+            <a:schemeClr val="dk1"/>
+          </a:effectRef>
+          <a:fontRef idx="minor">
+            <a:schemeClr val="lt1"/>
+          </a:fontRef>
+        </p:style>
+        <p:txBody>
+          <a:bodyPr rtlCol="0" anchor="ctr"/>
+          <a:lstStyle/>
+          <a:p>
+            <a:pPr algn="ctr"/>
+            <a:endParaRPr lang="zh-CN" altLang="en-US"/>
+          </a:p>
+        </p:txBody>
+      </p:sp>
+      <p:sp>
+        <p:nvSpPr>
+          <p:cNvPr id="10" name="椭圆 9">
+            <a:extLst>
+              <a:ext uri="{FF2B5EF4-FFF2-40B4-BE49-F238E27FC236}">
+                <a16:creationId xmlns:a16="http://schemas.microsoft.com/office/drawing/2014/main" id="{02DFB186-C235-49F0-BA46-53F86BAC8A35}"/>
+              </a:ext>
+            </a:extLst>
+          </p:cNvPr>
+          <p:cNvSpPr/>
+          <p:nvPr/>
+        </p:nvSpPr>
+        <p:spPr>
+          <a:xfrm>
+            <a:off x="2548283" y="2645264"/>
+            <a:ext cx="85034" cy="85034"/>
+          </a:xfrm>
+          <a:prstGeom prst="ellipse">
+            <a:avLst/>
+          </a:prstGeom>
+        </p:spPr>
+        <p:style>
+          <a:lnRef idx="2">
+            <a:schemeClr val="accent1">
+              <a:shade val="50000"/>
+            </a:schemeClr>
+          </a:lnRef>
+          <a:fillRef idx="1">
+            <a:schemeClr val="accent1"/>
+          </a:fillRef>
+          <a:effectRef idx="0">
+            <a:schemeClr val="accent1"/>
+          </a:effectRef>
+          <a:fontRef idx="minor">
+            <a:schemeClr val="lt1"/>
+          </a:fontRef>
+        </p:style>
+        <p:txBody>
+          <a:bodyPr rtlCol="0" anchor="ctr"/>
+          <a:lstStyle/>
+          <a:p>
+            <a:pPr algn="ctr"/>
+            <a:endParaRPr lang="zh-CN" altLang="en-US"/>
+          </a:p>
+        </p:txBody>
+      </p:sp>
+      <p:sp>
+        <p:nvSpPr>
+          <p:cNvPr id="11" name="椭圆 10">
+            <a:extLst>
+              <a:ext uri="{FF2B5EF4-FFF2-40B4-BE49-F238E27FC236}">
+                <a16:creationId xmlns:a16="http://schemas.microsoft.com/office/drawing/2014/main" id="{DC60FBE8-2A28-4F1A-B9A9-E38815094CFA}"/>
+              </a:ext>
+            </a:extLst>
+          </p:cNvPr>
+          <p:cNvSpPr/>
+          <p:nvPr/>
+        </p:nvSpPr>
+        <p:spPr>
+          <a:xfrm>
+            <a:off x="4227958" y="3340826"/>
+            <a:ext cx="85034" cy="85034"/>
+          </a:xfrm>
+          <a:prstGeom prst="ellipse">
+            <a:avLst/>
+          </a:prstGeom>
+        </p:spPr>
+        <p:style>
+          <a:lnRef idx="2">
+            <a:schemeClr val="accent1">
+              <a:shade val="50000"/>
+            </a:schemeClr>
+          </a:lnRef>
+          <a:fillRef idx="1">
+            <a:schemeClr val="accent1"/>
+          </a:fillRef>
+          <a:effectRef idx="0">
+            <a:schemeClr val="accent1"/>
+          </a:effectRef>
+          <a:fontRef idx="minor">
+            <a:schemeClr val="lt1"/>
+          </a:fontRef>
+        </p:style>
+        <p:txBody>
+          <a:bodyPr rtlCol="0" anchor="ctr"/>
+          <a:lstStyle/>
+          <a:p>
+            <a:pPr algn="ctr"/>
+            <a:endParaRPr lang="zh-CN" altLang="en-US"/>
+          </a:p>
+        </p:txBody>
+      </p:sp>
+      <p:sp>
+        <p:nvSpPr>
+          <p:cNvPr id="12" name="椭圆 11">
+            <a:extLst>
+              <a:ext uri="{FF2B5EF4-FFF2-40B4-BE49-F238E27FC236}">
+                <a16:creationId xmlns:a16="http://schemas.microsoft.com/office/drawing/2014/main" id="{114722B8-D0B4-4A80-A31C-2CDFD55AF8E6}"/>
+              </a:ext>
+            </a:extLst>
+          </p:cNvPr>
+          <p:cNvSpPr/>
+          <p:nvPr/>
+        </p:nvSpPr>
+        <p:spPr>
+          <a:xfrm>
+            <a:off x="2835953" y="1949705"/>
+            <a:ext cx="85034" cy="85034"/>
+          </a:xfrm>
+          <a:prstGeom prst="ellipse">
+            <a:avLst/>
+          </a:prstGeom>
+        </p:spPr>
+        <p:style>
+          <a:lnRef idx="2">
+            <a:schemeClr val="accent1">
+              <a:shade val="50000"/>
+            </a:schemeClr>
+          </a:lnRef>
+          <a:fillRef idx="1">
+            <a:schemeClr val="accent1"/>
+          </a:fillRef>
+          <a:effectRef idx="0">
+            <a:schemeClr val="accent1"/>
+          </a:effectRef>
+          <a:fontRef idx="minor">
+            <a:schemeClr val="lt1"/>
+          </a:fontRef>
+        </p:style>
+        <p:txBody>
+          <a:bodyPr rtlCol="0" anchor="ctr"/>
+          <a:lstStyle/>
+          <a:p>
+            <a:pPr algn="ctr"/>
+            <a:endParaRPr lang="zh-CN" altLang="en-US"/>
+          </a:p>
+        </p:txBody>
+      </p:sp>
+      <p:sp>
+        <p:nvSpPr>
+          <p:cNvPr id="13" name="椭圆 12">
+            <a:extLst>
+              <a:ext uri="{FF2B5EF4-FFF2-40B4-BE49-F238E27FC236}">
+                <a16:creationId xmlns:a16="http://schemas.microsoft.com/office/drawing/2014/main" id="{AB1EADE0-1B1C-48D7-9F13-0FD3F5DFA943}"/>
+              </a:ext>
+            </a:extLst>
+          </p:cNvPr>
+          <p:cNvSpPr/>
+          <p:nvPr/>
+        </p:nvSpPr>
+        <p:spPr>
+          <a:xfrm>
+            <a:off x="4515628" y="2645264"/>
+            <a:ext cx="85034" cy="85034"/>
+          </a:xfrm>
+          <a:prstGeom prst="ellipse">
+            <a:avLst/>
+          </a:prstGeom>
+        </p:spPr>
+        <p:style>
+          <a:lnRef idx="2">
+            <a:schemeClr val="accent1">
+              <a:shade val="50000"/>
+            </a:schemeClr>
+          </a:lnRef>
+          <a:fillRef idx="1">
+            <a:schemeClr val="accent1"/>
+          </a:fillRef>
+          <a:effectRef idx="0">
+            <a:schemeClr val="accent1"/>
+          </a:effectRef>
+          <a:fontRef idx="minor">
+            <a:schemeClr val="lt1"/>
+          </a:fontRef>
+        </p:style>
+        <p:txBody>
+          <a:bodyPr rtlCol="0" anchor="ctr"/>
+          <a:lstStyle/>
+          <a:p>
+            <a:pPr algn="ctr"/>
+            <a:endParaRPr lang="zh-CN" altLang="en-US"/>
+          </a:p>
+        </p:txBody>
+      </p:sp>
+      <p:sp>
+        <p:nvSpPr>
+          <p:cNvPr id="14" name="文本框 13">
+            <a:extLst>
+              <a:ext uri="{FF2B5EF4-FFF2-40B4-BE49-F238E27FC236}">
+                <a16:creationId xmlns:a16="http://schemas.microsoft.com/office/drawing/2014/main" id="{881D4887-8BD5-405E-B422-D001A011994E}"/>
+              </a:ext>
+            </a:extLst>
+          </p:cNvPr>
+          <p:cNvSpPr txBox="1"/>
+          <p:nvPr/>
+        </p:nvSpPr>
+        <p:spPr>
+          <a:xfrm>
+            <a:off x="2573223" y="1662500"/>
+            <a:ext cx="433132" cy="369332"/>
+          </a:xfrm>
+          <a:prstGeom prst="rect">
+            <a:avLst/>
+          </a:prstGeom>
+          <a:noFill/>
+        </p:spPr>
+        <p:txBody>
+          <a:bodyPr wrap="none" rtlCol="0">
+            <a:spAutoFit/>
+          </a:bodyPr>
+          <a:lstStyle/>
+          <a:p>
+            <a:r>
+              <a:rPr lang="en-US" altLang="zh-CN" dirty="0"/>
+              <a:t>P1</a:t>
+            </a:r>
+            <a:endParaRPr lang="zh-CN" altLang="en-US" dirty="0"/>
+          </a:p>
+        </p:txBody>
+      </p:sp>
+      <p:sp>
+        <p:nvSpPr>
+          <p:cNvPr id="15" name="文本框 14">
+            <a:extLst>
+              <a:ext uri="{FF2B5EF4-FFF2-40B4-BE49-F238E27FC236}">
+                <a16:creationId xmlns:a16="http://schemas.microsoft.com/office/drawing/2014/main" id="{4E6C568A-5E1B-449C-8F5A-EBD805FB8B0C}"/>
+              </a:ext>
+            </a:extLst>
+          </p:cNvPr>
+          <p:cNvSpPr txBox="1"/>
+          <p:nvPr/>
+        </p:nvSpPr>
+        <p:spPr>
+          <a:xfrm>
+            <a:off x="4578255" y="2545632"/>
+            <a:ext cx="433132" cy="369332"/>
+          </a:xfrm>
+          <a:prstGeom prst="rect">
+            <a:avLst/>
+          </a:prstGeom>
+          <a:noFill/>
+        </p:spPr>
+        <p:txBody>
+          <a:bodyPr wrap="none" rtlCol="0">
+            <a:spAutoFit/>
+          </a:bodyPr>
+          <a:lstStyle/>
+          <a:p>
+            <a:r>
+              <a:rPr lang="en-US" altLang="zh-CN" dirty="0"/>
+              <a:t>P2</a:t>
+            </a:r>
+            <a:endParaRPr lang="zh-CN" altLang="en-US" dirty="0"/>
+          </a:p>
+        </p:txBody>
+      </p:sp>
+      <p:sp>
+        <p:nvSpPr>
+          <p:cNvPr id="16" name="文本框 15">
+            <a:extLst>
+              <a:ext uri="{FF2B5EF4-FFF2-40B4-BE49-F238E27FC236}">
+                <a16:creationId xmlns:a16="http://schemas.microsoft.com/office/drawing/2014/main" id="{47D2D136-83E2-47CF-B39B-0AA7BD50514E}"/>
+              </a:ext>
+            </a:extLst>
+          </p:cNvPr>
+          <p:cNvSpPr txBox="1"/>
+          <p:nvPr/>
+        </p:nvSpPr>
+        <p:spPr>
+          <a:xfrm>
+            <a:off x="2200185" y="2549400"/>
+            <a:ext cx="433132" cy="369332"/>
+          </a:xfrm>
+          <a:prstGeom prst="rect">
+            <a:avLst/>
+          </a:prstGeom>
+          <a:noFill/>
+        </p:spPr>
+        <p:txBody>
+          <a:bodyPr wrap="none" rtlCol="0">
+            <a:spAutoFit/>
+          </a:bodyPr>
+          <a:lstStyle/>
+          <a:p>
+            <a:r>
+              <a:rPr lang="en-US" altLang="zh-CN" dirty="0"/>
+              <a:t>P3</a:t>
+            </a:r>
+            <a:endParaRPr lang="zh-CN" altLang="en-US" dirty="0"/>
+          </a:p>
+        </p:txBody>
+      </p:sp>
+      <p:sp>
+        <p:nvSpPr>
+          <p:cNvPr id="17" name="文本框 16">
+            <a:extLst>
+              <a:ext uri="{FF2B5EF4-FFF2-40B4-BE49-F238E27FC236}">
+                <a16:creationId xmlns:a16="http://schemas.microsoft.com/office/drawing/2014/main" id="{90BF99DD-4F8D-4B99-8417-43BBBC36B27D}"/>
+              </a:ext>
+            </a:extLst>
+          </p:cNvPr>
+          <p:cNvSpPr txBox="1"/>
+          <p:nvPr/>
+        </p:nvSpPr>
+        <p:spPr>
+          <a:xfrm>
+            <a:off x="4236058" y="3351598"/>
+            <a:ext cx="433132" cy="369332"/>
+          </a:xfrm>
+          <a:prstGeom prst="rect">
+            <a:avLst/>
+          </a:prstGeom>
+          <a:noFill/>
+        </p:spPr>
+        <p:txBody>
+          <a:bodyPr wrap="none" rtlCol="0">
+            <a:spAutoFit/>
+          </a:bodyPr>
+          <a:lstStyle/>
+          <a:p>
+            <a:r>
+              <a:rPr lang="en-US" altLang="zh-CN" dirty="0"/>
+              <a:t>P4</a:t>
+            </a:r>
+            <a:endParaRPr lang="zh-CN" altLang="en-US" dirty="0"/>
+          </a:p>
+        </p:txBody>
+      </p:sp>
+    </p:spTree>
+    <p:extLst>
+      <p:ext uri="{BB962C8B-B14F-4D97-AF65-F5344CB8AC3E}">
+        <p14:creationId xmlns:p14="http://schemas.microsoft.com/office/powerpoint/2010/main" val="1165414816"/>
+      </p:ext>
+    </p:extLst>
+  </p:cSld>
+  <p:clrMapOvr>
+    <a:masterClrMapping/>
+  </p:clrMapOvr>
+</p:sld>
+</file>
+
 <file path=ppt/theme/theme1.xml><?xml version="1.0" encoding="utf-8"?>
 <a:theme xmlns:a="http://schemas.openxmlformats.org/drawingml/2006/main" name="Office 主题​​">
   <a:themeElements>
